--- a/Calendario2022/Presentaciones/Parte2/15_RuteoEstatico.pptx
+++ b/Calendario2022/Presentaciones/Parte2/15_RuteoEstatico.pptx
@@ -766,7 +766,7 @@
               </a14:hiddenFill>
             </a:ext>
             <a:ext uri="{FAA26D3D-D897-4be2-8F04-BA451C77F1D7}">
-              <ma14:placeholderFlag xmlns:ma14="http://schemas.microsoft.com/office/mac/drawingml/2011/main" xmlns:mc="http://schemas.openxmlformats.org/markup-compatibility/2006" xmlns:a14="http://schemas.microsoft.com/office/drawing/2010/main" xmlns:c="http://schemas.openxmlformats.org/drawingml/2006/chart" xmlns:dgm="http://schemas.openxmlformats.org/drawingml/2006/diagram" xmlns:cdr="http://schemas.openxmlformats.org/drawingml/2006/chartDrawing" xmlns:wne="http://schemas.microsoft.com/office/powerpoint/2006/powerpointml" xmlns:wp="http://schemas.openxmlformats.org/drawingml/2006/powerpointprocessingDrawing" xmlns:v="urn:schemas-microsoft-com:vml" xmlns:o="urn:schemas-microsoft-com:office:office" xmlns="" val="1"/>
+              <ma14:placeholderFlag xmlns="" xmlns:o="urn:schemas-microsoft-com:office:office" xmlns:v="urn:schemas-microsoft-com:vml" xmlns:wp="http://schemas.openxmlformats.org/drawingml/2006/powerpointprocessingDrawing" xmlns:wne="http://schemas.microsoft.com/office/powerpoint/2006/powerpointml" xmlns:cdr="http://schemas.openxmlformats.org/drawingml/2006/chartDrawing" xmlns:dgm="http://schemas.openxmlformats.org/drawingml/2006/diagram" xmlns:c="http://schemas.openxmlformats.org/drawingml/2006/chart" xmlns:a14="http://schemas.microsoft.com/office/drawing/2010/main" xmlns:mc="http://schemas.openxmlformats.org/markup-compatibility/2006" xmlns:ma14="http://schemas.microsoft.com/office/mac/drawingml/2011/main" val="1"/>
             </a:ext>
           </a:extLst>
         </p:spPr>
@@ -8466,7 +8466,7 @@
               </a14:hiddenLine>
             </a:ext>
             <a:ext uri="{FAA26D3D-D897-4be2-8F04-BA451C77F1D7}">
-              <ma14:placeholderFlag xmlns:ma14="http://schemas.microsoft.com/office/mac/drawingml/2011/main" xmlns:mc="http://schemas.openxmlformats.org/markup-compatibility/2006" xmlns:a14="http://schemas.microsoft.com/office/drawing/2010/main" xmlns:c="http://schemas.openxmlformats.org/drawingml/2006/chart" xmlns:dgm="http://schemas.openxmlformats.org/drawingml/2006/diagram" xmlns:cdr="http://schemas.openxmlformats.org/drawingml/2006/chartDrawing" xmlns:wne="http://schemas.microsoft.com/office/powerpoint/2006/powerpointml" xmlns:wp="http://schemas.openxmlformats.org/drawingml/2006/powerpointprocessingDrawing" xmlns:v="urn:schemas-microsoft-com:vml" xmlns:o="urn:schemas-microsoft-com:office:office" xmlns="" val="1"/>
+              <ma14:placeholderFlag xmlns="" xmlns:o="urn:schemas-microsoft-com:office:office" xmlns:v="urn:schemas-microsoft-com:vml" xmlns:wp="http://schemas.openxmlformats.org/drawingml/2006/powerpointprocessingDrawing" xmlns:wne="http://schemas.microsoft.com/office/powerpoint/2006/powerpointml" xmlns:cdr="http://schemas.openxmlformats.org/drawingml/2006/chartDrawing" xmlns:dgm="http://schemas.openxmlformats.org/drawingml/2006/diagram" xmlns:c="http://schemas.openxmlformats.org/drawingml/2006/chart" xmlns:a14="http://schemas.microsoft.com/office/drawing/2010/main" xmlns:mc="http://schemas.openxmlformats.org/markup-compatibility/2006" xmlns:ma14="http://schemas.microsoft.com/office/mac/drawingml/2011/main" val="1"/>
             </a:ext>
           </a:extLst>
         </p:spPr>
@@ -8676,7 +8676,7 @@
               </a14:hiddenLine>
             </a:ext>
             <a:ext uri="{FAA26D3D-D897-4be2-8F04-BA451C77F1D7}">
-              <ma14:placeholderFlag xmlns:ma14="http://schemas.microsoft.com/office/mac/drawingml/2011/main" xmlns:mc="http://schemas.openxmlformats.org/markup-compatibility/2006" xmlns:a14="http://schemas.microsoft.com/office/drawing/2010/main" xmlns:c="http://schemas.openxmlformats.org/drawingml/2006/chart" xmlns:dgm="http://schemas.openxmlformats.org/drawingml/2006/diagram" xmlns:cdr="http://schemas.openxmlformats.org/drawingml/2006/chartDrawing" xmlns:wne="http://schemas.microsoft.com/office/powerpoint/2006/powerpointml" xmlns:wp="http://schemas.openxmlformats.org/drawingml/2006/powerpointprocessingDrawing" xmlns:v="urn:schemas-microsoft-com:vml" xmlns:o="urn:schemas-microsoft-com:office:office" xmlns="" val="1"/>
+              <ma14:placeholderFlag xmlns="" xmlns:o="urn:schemas-microsoft-com:office:office" xmlns:v="urn:schemas-microsoft-com:vml" xmlns:wp="http://schemas.openxmlformats.org/drawingml/2006/powerpointprocessingDrawing" xmlns:wne="http://schemas.microsoft.com/office/powerpoint/2006/powerpointml" xmlns:cdr="http://schemas.openxmlformats.org/drawingml/2006/chartDrawing" xmlns:dgm="http://schemas.openxmlformats.org/drawingml/2006/diagram" xmlns:c="http://schemas.openxmlformats.org/drawingml/2006/chart" xmlns:a14="http://schemas.microsoft.com/office/drawing/2010/main" xmlns:mc="http://schemas.openxmlformats.org/markup-compatibility/2006" xmlns:ma14="http://schemas.microsoft.com/office/mac/drawingml/2011/main" val="1"/>
             </a:ext>
           </a:extLst>
         </p:spPr>
@@ -9440,7 +9440,7 @@
               </a14:hiddenLine>
             </a:ext>
             <a:ext uri="{FAA26D3D-D897-4be2-8F04-BA451C77F1D7}">
-              <ma14:placeholderFlag xmlns:ma14="http://schemas.microsoft.com/office/mac/drawingml/2011/main" xmlns:mc="http://schemas.openxmlformats.org/markup-compatibility/2006" xmlns:a14="http://schemas.microsoft.com/office/drawing/2010/main" xmlns:c="http://schemas.openxmlformats.org/drawingml/2006/chart" xmlns:dgm="http://schemas.openxmlformats.org/drawingml/2006/diagram" xmlns:cdr="http://schemas.openxmlformats.org/drawingml/2006/chartDrawing" xmlns:wne="http://schemas.microsoft.com/office/powerpoint/2006/powerpointml" xmlns:wp="http://schemas.openxmlformats.org/drawingml/2006/powerpointprocessingDrawing" xmlns:v="urn:schemas-microsoft-com:vml" xmlns:o="urn:schemas-microsoft-com:office:office" xmlns="" val="1"/>
+              <ma14:placeholderFlag xmlns="" xmlns:o="urn:schemas-microsoft-com:office:office" xmlns:v="urn:schemas-microsoft-com:vml" xmlns:wp="http://schemas.openxmlformats.org/drawingml/2006/powerpointprocessingDrawing" xmlns:wne="http://schemas.microsoft.com/office/powerpoint/2006/powerpointml" xmlns:cdr="http://schemas.openxmlformats.org/drawingml/2006/chartDrawing" xmlns:dgm="http://schemas.openxmlformats.org/drawingml/2006/diagram" xmlns:c="http://schemas.openxmlformats.org/drawingml/2006/chart" xmlns:a14="http://schemas.microsoft.com/office/drawing/2010/main" xmlns:mc="http://schemas.openxmlformats.org/markup-compatibility/2006" xmlns:ma14="http://schemas.microsoft.com/office/mac/drawingml/2011/main" val="1"/>
             </a:ext>
           </a:extLst>
         </p:spPr>
@@ -9635,7 +9635,7 @@
               </a14:hiddenLine>
             </a:ext>
             <a:ext uri="{FAA26D3D-D897-4be2-8F04-BA451C77F1D7}">
-              <ma14:placeholderFlag xmlns:ma14="http://schemas.microsoft.com/office/mac/drawingml/2011/main" xmlns:mc="http://schemas.openxmlformats.org/markup-compatibility/2006" xmlns:a14="http://schemas.microsoft.com/office/drawing/2010/main" xmlns:c="http://schemas.openxmlformats.org/drawingml/2006/chart" xmlns:dgm="http://schemas.openxmlformats.org/drawingml/2006/diagram" xmlns:cdr="http://schemas.openxmlformats.org/drawingml/2006/chartDrawing" xmlns:wne="http://schemas.microsoft.com/office/powerpoint/2006/powerpointml" xmlns:wp="http://schemas.openxmlformats.org/drawingml/2006/powerpointprocessingDrawing" xmlns:v="urn:schemas-microsoft-com:vml" xmlns:o="urn:schemas-microsoft-com:office:office" xmlns="" val="1"/>
+              <ma14:placeholderFlag xmlns="" xmlns:o="urn:schemas-microsoft-com:office:office" xmlns:v="urn:schemas-microsoft-com:vml" xmlns:wp="http://schemas.openxmlformats.org/drawingml/2006/powerpointprocessingDrawing" xmlns:wne="http://schemas.microsoft.com/office/powerpoint/2006/powerpointml" xmlns:cdr="http://schemas.openxmlformats.org/drawingml/2006/chartDrawing" xmlns:dgm="http://schemas.openxmlformats.org/drawingml/2006/diagram" xmlns:c="http://schemas.openxmlformats.org/drawingml/2006/chart" xmlns:a14="http://schemas.microsoft.com/office/drawing/2010/main" xmlns:mc="http://schemas.openxmlformats.org/markup-compatibility/2006" xmlns:ma14="http://schemas.microsoft.com/office/mac/drawingml/2011/main" val="1"/>
             </a:ext>
           </a:extLst>
         </p:spPr>
@@ -10953,12 +10953,24 @@
               <a:buChar char="•"/>
             </a:pPr>
             <a:r>
-              <a:rPr lang="es-ES" sz="2000" b="1" dirty="0"/>
+              <a:rPr lang="es-ES" sz="2000" b="1" dirty="0">
+                <a:solidFill>
+                  <a:srgbClr val="FF3300"/>
+                </a:solidFill>
+              </a:rPr>
               <a:t>Manualmente</a:t>
             </a:r>
             <a:r>
+              <a:rPr lang="es-ES" sz="2000" dirty="0">
+                <a:solidFill>
+                  <a:srgbClr val="FF3300"/>
+                </a:solidFill>
+              </a:rPr>
+              <a:t>:</a:t>
+            </a:r>
+            <a:r>
               <a:rPr lang="es-ES" sz="2000" dirty="0"/>
-              <a:t>: las redes remotas se introducen de forma manual en la tabla de rutas por medio de rutas estáticas.</a:t>
+              <a:t> las redes remotas se introducen de forma manual en la tabla de ruteo por medio de rutas estáticas.</a:t>
             </a:r>
           </a:p>
           <a:p>
@@ -10967,12 +10979,24 @@
               <a:buChar char="•"/>
             </a:pPr>
             <a:r>
-              <a:rPr lang="es-ES" sz="2000" b="1" dirty="0"/>
+              <a:rPr lang="es-ES" sz="2000" b="1" dirty="0">
+                <a:solidFill>
+                  <a:srgbClr val="FF0000"/>
+                </a:solidFill>
+              </a:rPr>
               <a:t>Dinámicamente</a:t>
             </a:r>
             <a:r>
+              <a:rPr lang="es-ES" sz="2000" dirty="0">
+                <a:solidFill>
+                  <a:srgbClr val="FF0000"/>
+                </a:solidFill>
+              </a:rPr>
+              <a:t>: </a:t>
+            </a:r>
+            <a:r>
               <a:rPr lang="es-ES" sz="2000" dirty="0"/>
-              <a:t>: las rutas remotas se descubren de forma automática mediante un protocolo de ruteo  dinámico.</a:t>
+              <a:t>las rutas remotas se descubren de forma automática mediante un protocolo de ruteo  dinámico.</a:t>
             </a:r>
           </a:p>
           <a:p>
@@ -11108,7 +11132,11 @@
               <a:t>Para conectarse a una </a:t>
             </a:r>
             <a:r>
-              <a:rPr lang="es-ES" sz="2000" b="1" dirty="0"/>
+              <a:rPr lang="es-ES" sz="2000" b="1" dirty="0">
+                <a:solidFill>
+                  <a:srgbClr val="FF0000"/>
+                </a:solidFill>
+              </a:rPr>
               <a:t>red específica</a:t>
             </a:r>
             <a:r>
@@ -11126,15 +11154,27 @@
               <a:t>Para proporcionar un gateway de último recurso para una red de conexión única (</a:t>
             </a:r>
             <a:r>
-              <a:rPr lang="es-ES" sz="2000" b="1" dirty="0" err="1"/>
+              <a:rPr lang="es-ES" sz="2000" b="1" dirty="0" err="1">
+                <a:solidFill>
+                  <a:srgbClr val="FF0000"/>
+                </a:solidFill>
+              </a:rPr>
               <a:t>stub</a:t>
             </a:r>
             <a:r>
-              <a:rPr lang="es-ES" sz="2000" b="1" dirty="0"/>
+              <a:rPr lang="es-ES" sz="2000" b="1" dirty="0">
+                <a:solidFill>
+                  <a:srgbClr val="FF0000"/>
+                </a:solidFill>
+              </a:rPr>
               <a:t> </a:t>
             </a:r>
             <a:r>
-              <a:rPr lang="es-ES" sz="2000" b="1" dirty="0" err="1"/>
+              <a:rPr lang="es-ES" sz="2000" b="1" dirty="0" err="1">
+                <a:solidFill>
+                  <a:srgbClr val="FF0000"/>
+                </a:solidFill>
+              </a:rPr>
               <a:t>network</a:t>
             </a:r>
             <a:r>
@@ -11249,7 +11289,7 @@
               </a14:hiddenLine>
             </a:ext>
             <a:ext uri="{FAA26D3D-D897-4be2-8F04-BA451C77F1D7}">
-              <ma14:placeholderFlag xmlns:ma14="http://schemas.microsoft.com/office/mac/drawingml/2011/main" xmlns:mc="http://schemas.openxmlformats.org/markup-compatibility/2006" xmlns:a14="http://schemas.microsoft.com/office/drawing/2010/main" xmlns:c="http://schemas.openxmlformats.org/drawingml/2006/chart" xmlns:dgm="http://schemas.openxmlformats.org/drawingml/2006/diagram" xmlns:cdr="http://schemas.openxmlformats.org/drawingml/2006/chartDrawing" xmlns:wne="http://schemas.microsoft.com/office/powerpoint/2006/powerpointml" xmlns:wp="http://schemas.openxmlformats.org/drawingml/2006/powerpointprocessingDrawing" xmlns:v="urn:schemas-microsoft-com:vml" xmlns:o="urn:schemas-microsoft-com:office:office" xmlns="" val="1"/>
+              <ma14:placeholderFlag xmlns="" xmlns:o="urn:schemas-microsoft-com:office:office" xmlns:v="urn:schemas-microsoft-com:vml" xmlns:wp="http://schemas.openxmlformats.org/drawingml/2006/powerpointprocessingDrawing" xmlns:wne="http://schemas.microsoft.com/office/powerpoint/2006/powerpointml" xmlns:cdr="http://schemas.openxmlformats.org/drawingml/2006/chartDrawing" xmlns:dgm="http://schemas.openxmlformats.org/drawingml/2006/diagram" xmlns:c="http://schemas.openxmlformats.org/drawingml/2006/chart" xmlns:a14="http://schemas.microsoft.com/office/drawing/2010/main" xmlns:mc="http://schemas.openxmlformats.org/markup-compatibility/2006" xmlns:ma14="http://schemas.microsoft.com/office/mac/drawingml/2011/main" val="1"/>
             </a:ext>
           </a:extLst>
         </p:spPr>
@@ -11610,7 +11650,7 @@
             <a:r>
               <a:rPr lang="es-ES" sz="1800" b="1" kern="0" dirty="0">
                 <a:solidFill>
-                  <a:srgbClr val="000000"/>
+                  <a:srgbClr val="FF0000"/>
                 </a:solidFill>
                 <a:latin typeface="Arial"/>
               </a:rPr>
@@ -11619,11 +11659,20 @@
             <a:r>
               <a:rPr lang="es-ES" sz="1800" kern="0" dirty="0">
                 <a:solidFill>
-                  <a:srgbClr val="000000"/>
+                  <a:srgbClr val="FF0000"/>
                 </a:solidFill>
                 <a:latin typeface="Arial"/>
               </a:rPr>
-              <a:t> es aquella que coincide con todos los paquetes. </a:t>
+              <a:t> </a:t>
+            </a:r>
+            <a:r>
+              <a:rPr lang="es-ES" sz="1800" kern="0" dirty="0">
+                <a:solidFill>
+                  <a:srgbClr val="000000"/>
+                </a:solidFill>
+                <a:latin typeface="Arial"/>
+              </a:rPr>
+              <a:t>es aquella que coincide con todos los paquetes. </a:t>
             </a:r>
           </a:p>
           <a:p>
@@ -11652,7 +11701,7 @@
             <a:r>
               <a:rPr lang="es-ES" sz="1800" b="1" kern="0" dirty="0">
                 <a:solidFill>
-                  <a:srgbClr val="000000"/>
+                  <a:srgbClr val="FF0000"/>
                 </a:solidFill>
                 <a:latin typeface="Arial"/>
               </a:rPr>
@@ -11661,11 +11710,20 @@
             <a:r>
               <a:rPr lang="es-ES" sz="1800" kern="0" dirty="0">
                 <a:solidFill>
-                  <a:srgbClr val="000000"/>
+                  <a:srgbClr val="FF0000"/>
                 </a:solidFill>
                 <a:latin typeface="Arial"/>
               </a:rPr>
-              <a:t> identifica la dirección </a:t>
+              <a:t> </a:t>
+            </a:r>
+            <a:r>
+              <a:rPr lang="es-ES" sz="1800" kern="0" dirty="0">
+                <a:solidFill>
+                  <a:srgbClr val="000000"/>
+                </a:solidFill>
+                <a:latin typeface="Arial"/>
+              </a:rPr>
+              <a:t>identifica la dirección </a:t>
             </a:r>
             <a:r>
               <a:rPr lang="es-ES" sz="1800" b="1" kern="0" dirty="0">
@@ -11712,7 +11770,7 @@
             <a:r>
               <a:rPr lang="es-ES" sz="1800" b="1" kern="0" dirty="0">
                 <a:solidFill>
-                  <a:srgbClr val="000000"/>
+                  <a:srgbClr val="FF0000"/>
                 </a:solidFill>
                 <a:latin typeface="Arial"/>
               </a:rPr>
@@ -11721,11 +11779,20 @@
             <a:r>
               <a:rPr lang="es-ES" sz="1800" kern="0" dirty="0">
                 <a:solidFill>
-                  <a:srgbClr val="000000"/>
+                  <a:srgbClr val="FF0000"/>
                 </a:solidFill>
                 <a:latin typeface="Arial"/>
               </a:rPr>
-              <a:t> es simplemente una </a:t>
+              <a:t> </a:t>
+            </a:r>
+            <a:r>
+              <a:rPr lang="es-ES" sz="1800" kern="0" dirty="0">
+                <a:solidFill>
+                  <a:srgbClr val="000000"/>
+                </a:solidFill>
+                <a:latin typeface="Arial"/>
+              </a:rPr>
+              <a:t>es simplemente una </a:t>
             </a:r>
             <a:r>
               <a:rPr lang="es-ES" sz="1800" b="1" kern="0" dirty="0">
@@ -11966,7 +12033,7 @@
           <a:p>
             <a:r>
               <a:rPr lang="es-ES" dirty="0"/>
-              <a:t>Opciones de siguiente salto (Next-Hop)</a:t>
+              <a:t>Opciones del siguiente salto (Next-Hop)</a:t>
             </a:r>
           </a:p>
         </p:txBody>
